--- a/神经网络.pptx
+++ b/神经网络.pptx
@@ -6,6 +6,7 @@
   </p:sldMasterIdLst>
   <p:sldIdLst>
     <p:sldId id="256" r:id="rId2"/>
+    <p:sldId id="257" r:id="rId3"/>
   </p:sldIdLst>
   <p:sldSz cx="12192000" cy="6858000"/>
   <p:notesSz cx="6858000" cy="9144000"/>
@@ -104,6 +105,11 @@
       </a:defRPr>
     </a:lvl9pPr>
   </p:defaultTextStyle>
+  <p:extLst>
+    <p:ext uri="{EFAFB233-063F-42B5-8137-9DF3F51BA10A}">
+      <p15:sldGuideLst xmlns:p15="http://schemas.microsoft.com/office/powerpoint/2012/main"/>
+    </p:ext>
+  </p:extLst>
 </p:presentation>
 </file>
 
@@ -254,7 +260,7 @@
           <a:p>
             <a:fld id="{9DE951FC-083E-4DEA-AC02-7C6F2A935D30}" type="datetimeFigureOut">
               <a:rPr lang="zh-CN" altLang="en-US" smtClean="0"/>
-              <a:t>2020/9/16</a:t>
+              <a:t>2020/9/17</a:t>
             </a:fld>
             <a:endParaRPr lang="zh-CN" altLang="en-US"/>
           </a:p>
@@ -452,7 +458,7 @@
           <a:p>
             <a:fld id="{9DE951FC-083E-4DEA-AC02-7C6F2A935D30}" type="datetimeFigureOut">
               <a:rPr lang="zh-CN" altLang="en-US" smtClean="0"/>
-              <a:t>2020/9/16</a:t>
+              <a:t>2020/9/17</a:t>
             </a:fld>
             <a:endParaRPr lang="zh-CN" altLang="en-US"/>
           </a:p>
@@ -660,7 +666,7 @@
           <a:p>
             <a:fld id="{9DE951FC-083E-4DEA-AC02-7C6F2A935D30}" type="datetimeFigureOut">
               <a:rPr lang="zh-CN" altLang="en-US" smtClean="0"/>
-              <a:t>2020/9/16</a:t>
+              <a:t>2020/9/17</a:t>
             </a:fld>
             <a:endParaRPr lang="zh-CN" altLang="en-US"/>
           </a:p>
@@ -858,7 +864,7 @@
           <a:p>
             <a:fld id="{9DE951FC-083E-4DEA-AC02-7C6F2A935D30}" type="datetimeFigureOut">
               <a:rPr lang="zh-CN" altLang="en-US" smtClean="0"/>
-              <a:t>2020/9/16</a:t>
+              <a:t>2020/9/17</a:t>
             </a:fld>
             <a:endParaRPr lang="zh-CN" altLang="en-US"/>
           </a:p>
@@ -1133,7 +1139,7 @@
           <a:p>
             <a:fld id="{9DE951FC-083E-4DEA-AC02-7C6F2A935D30}" type="datetimeFigureOut">
               <a:rPr lang="zh-CN" altLang="en-US" smtClean="0"/>
-              <a:t>2020/9/16</a:t>
+              <a:t>2020/9/17</a:t>
             </a:fld>
             <a:endParaRPr lang="zh-CN" altLang="en-US"/>
           </a:p>
@@ -1398,7 +1404,7 @@
           <a:p>
             <a:fld id="{9DE951FC-083E-4DEA-AC02-7C6F2A935D30}" type="datetimeFigureOut">
               <a:rPr lang="zh-CN" altLang="en-US" smtClean="0"/>
-              <a:t>2020/9/16</a:t>
+              <a:t>2020/9/17</a:t>
             </a:fld>
             <a:endParaRPr lang="zh-CN" altLang="en-US"/>
           </a:p>
@@ -1810,7 +1816,7 @@
           <a:p>
             <a:fld id="{9DE951FC-083E-4DEA-AC02-7C6F2A935D30}" type="datetimeFigureOut">
               <a:rPr lang="zh-CN" altLang="en-US" smtClean="0"/>
-              <a:t>2020/9/16</a:t>
+              <a:t>2020/9/17</a:t>
             </a:fld>
             <a:endParaRPr lang="zh-CN" altLang="en-US"/>
           </a:p>
@@ -1951,7 +1957,7 @@
           <a:p>
             <a:fld id="{9DE951FC-083E-4DEA-AC02-7C6F2A935D30}" type="datetimeFigureOut">
               <a:rPr lang="zh-CN" altLang="en-US" smtClean="0"/>
-              <a:t>2020/9/16</a:t>
+              <a:t>2020/9/17</a:t>
             </a:fld>
             <a:endParaRPr lang="zh-CN" altLang="en-US"/>
           </a:p>
@@ -2064,7 +2070,7 @@
           <a:p>
             <a:fld id="{9DE951FC-083E-4DEA-AC02-7C6F2A935D30}" type="datetimeFigureOut">
               <a:rPr lang="zh-CN" altLang="en-US" smtClean="0"/>
-              <a:t>2020/9/16</a:t>
+              <a:t>2020/9/17</a:t>
             </a:fld>
             <a:endParaRPr lang="zh-CN" altLang="en-US"/>
           </a:p>
@@ -2375,7 +2381,7 @@
           <a:p>
             <a:fld id="{9DE951FC-083E-4DEA-AC02-7C6F2A935D30}" type="datetimeFigureOut">
               <a:rPr lang="zh-CN" altLang="en-US" smtClean="0"/>
-              <a:t>2020/9/16</a:t>
+              <a:t>2020/9/17</a:t>
             </a:fld>
             <a:endParaRPr lang="zh-CN" altLang="en-US"/>
           </a:p>
@@ -2663,7 +2669,7 @@
           <a:p>
             <a:fld id="{9DE951FC-083E-4DEA-AC02-7C6F2A935D30}" type="datetimeFigureOut">
               <a:rPr lang="zh-CN" altLang="en-US" smtClean="0"/>
-              <a:t>2020/9/16</a:t>
+              <a:t>2020/9/17</a:t>
             </a:fld>
             <a:endParaRPr lang="zh-CN" altLang="en-US"/>
           </a:p>
@@ -2904,7 +2910,7 @@
           <a:p>
             <a:fld id="{9DE951FC-083E-4DEA-AC02-7C6F2A935D30}" type="datetimeFigureOut">
               <a:rPr lang="zh-CN" altLang="en-US" smtClean="0"/>
-              <a:t>2020/9/16</a:t>
+              <a:t>2020/9/17</a:t>
             </a:fld>
             <a:endParaRPr lang="zh-CN" altLang="en-US"/>
           </a:p>
@@ -3321,8 +3327,8 @@
           <a:chExt cx="0" cy="0"/>
         </a:xfrm>
       </p:grpSpPr>
-      <mc:AlternateContent xmlns:mc="http://schemas.openxmlformats.org/markup-compatibility/2006">
-        <mc:Choice xmlns:a14="http://schemas.microsoft.com/office/drawing/2010/main" Requires="a14">
+      <mc:AlternateContent xmlns:mc="http://schemas.openxmlformats.org/markup-compatibility/2006" xmlns:a14="http://schemas.microsoft.com/office/drawing/2010/main">
+        <mc:Choice Requires="a14">
           <p:sp>
             <p:nvSpPr>
               <p:cNvPr id="4" name="椭圆 3">
@@ -3415,7 +3421,7 @@
             </p:txBody>
           </p:sp>
         </mc:Choice>
-        <mc:Fallback>
+        <mc:Fallback xmlns="">
           <p:sp>
             <p:nvSpPr>
               <p:cNvPr id="4" name="椭圆 3">
@@ -3460,8 +3466,8 @@
           </p:sp>
         </mc:Fallback>
       </mc:AlternateContent>
-      <mc:AlternateContent xmlns:mc="http://schemas.openxmlformats.org/markup-compatibility/2006">
-        <mc:Choice xmlns:a14="http://schemas.microsoft.com/office/drawing/2010/main" Requires="a14">
+      <mc:AlternateContent xmlns:mc="http://schemas.openxmlformats.org/markup-compatibility/2006" xmlns:a14="http://schemas.microsoft.com/office/drawing/2010/main">
+        <mc:Choice Requires="a14">
           <p:sp>
             <p:nvSpPr>
               <p:cNvPr id="6" name="椭圆 5">
@@ -3554,7 +3560,7 @@
             </p:txBody>
           </p:sp>
         </mc:Choice>
-        <mc:Fallback>
+        <mc:Fallback xmlns="">
           <p:sp>
             <p:nvSpPr>
               <p:cNvPr id="6" name="椭圆 5">
@@ -3599,8 +3605,8 @@
           </p:sp>
         </mc:Fallback>
       </mc:AlternateContent>
-      <mc:AlternateContent xmlns:mc="http://schemas.openxmlformats.org/markup-compatibility/2006">
-        <mc:Choice xmlns:a14="http://schemas.microsoft.com/office/drawing/2010/main" Requires="a14">
+      <mc:AlternateContent xmlns:mc="http://schemas.openxmlformats.org/markup-compatibility/2006" xmlns:a14="http://schemas.microsoft.com/office/drawing/2010/main">
+        <mc:Choice Requires="a14">
           <p:sp>
             <p:nvSpPr>
               <p:cNvPr id="9" name="流程图: 过程 8">
@@ -3693,7 +3699,7 @@
             </p:txBody>
           </p:sp>
         </mc:Choice>
-        <mc:Fallback>
+        <mc:Fallback xmlns="">
           <p:sp>
             <p:nvSpPr>
               <p:cNvPr id="9" name="流程图: 过程 8">
@@ -3738,8 +3744,8 @@
           </p:sp>
         </mc:Fallback>
       </mc:AlternateContent>
-      <mc:AlternateContent xmlns:mc="http://schemas.openxmlformats.org/markup-compatibility/2006">
-        <mc:Choice xmlns:a14="http://schemas.microsoft.com/office/drawing/2010/main" Requires="a14">
+      <mc:AlternateContent xmlns:mc="http://schemas.openxmlformats.org/markup-compatibility/2006" xmlns:a14="http://schemas.microsoft.com/office/drawing/2010/main">
+        <mc:Choice Requires="a14">
           <p:sp>
             <p:nvSpPr>
               <p:cNvPr id="11" name="流程图: 过程 10">
@@ -3882,7 +3888,7 @@
             </p:txBody>
           </p:sp>
         </mc:Choice>
-        <mc:Fallback>
+        <mc:Fallback xmlns="">
           <p:sp>
             <p:nvSpPr>
               <p:cNvPr id="11" name="流程图: 过程 10">
@@ -3927,8 +3933,8 @@
           </p:sp>
         </mc:Fallback>
       </mc:AlternateContent>
-      <mc:AlternateContent xmlns:mc="http://schemas.openxmlformats.org/markup-compatibility/2006">
-        <mc:Choice xmlns:a14="http://schemas.microsoft.com/office/drawing/2010/main" Requires="a14">
+      <mc:AlternateContent xmlns:mc="http://schemas.openxmlformats.org/markup-compatibility/2006" xmlns:a14="http://schemas.microsoft.com/office/drawing/2010/main">
+        <mc:Choice Requires="a14">
           <p:sp>
             <p:nvSpPr>
               <p:cNvPr id="13" name="流程图: 过程 12">
@@ -4021,7 +4027,7 @@
             </p:txBody>
           </p:sp>
         </mc:Choice>
-        <mc:Fallback>
+        <mc:Fallback xmlns="">
           <p:sp>
             <p:nvSpPr>
               <p:cNvPr id="13" name="流程图: 过程 12">
@@ -4066,8 +4072,8 @@
           </p:sp>
         </mc:Fallback>
       </mc:AlternateContent>
-      <mc:AlternateContent xmlns:mc="http://schemas.openxmlformats.org/markup-compatibility/2006">
-        <mc:Choice xmlns:a14="http://schemas.microsoft.com/office/drawing/2010/main" Requires="a14">
+      <mc:AlternateContent xmlns:mc="http://schemas.openxmlformats.org/markup-compatibility/2006" xmlns:a14="http://schemas.microsoft.com/office/drawing/2010/main">
+        <mc:Choice Requires="a14">
           <p:sp>
             <p:nvSpPr>
               <p:cNvPr id="15" name="流程图: 过程 14">
@@ -4210,7 +4216,7 @@
             </p:txBody>
           </p:sp>
         </mc:Choice>
-        <mc:Fallback>
+        <mc:Fallback xmlns="">
           <p:sp>
             <p:nvSpPr>
               <p:cNvPr id="15" name="流程图: 过程 14">
@@ -4255,8 +4261,8 @@
           </p:sp>
         </mc:Fallback>
       </mc:AlternateContent>
-      <mc:AlternateContent xmlns:mc="http://schemas.openxmlformats.org/markup-compatibility/2006">
-        <mc:Choice xmlns:a14="http://schemas.microsoft.com/office/drawing/2010/main" Requires="a14">
+      <mc:AlternateContent xmlns:mc="http://schemas.openxmlformats.org/markup-compatibility/2006" xmlns:a14="http://schemas.microsoft.com/office/drawing/2010/main">
+        <mc:Choice Requires="a14">
           <p:sp>
             <p:nvSpPr>
               <p:cNvPr id="21" name="椭圆 20">
@@ -4355,7 +4361,7 @@
             </p:txBody>
           </p:sp>
         </mc:Choice>
-        <mc:Fallback>
+        <mc:Fallback xmlns="">
           <p:sp>
             <p:nvSpPr>
               <p:cNvPr id="21" name="椭圆 20">
@@ -4400,8 +4406,8 @@
           </p:sp>
         </mc:Fallback>
       </mc:AlternateContent>
-      <mc:AlternateContent xmlns:mc="http://schemas.openxmlformats.org/markup-compatibility/2006">
-        <mc:Choice xmlns:a14="http://schemas.microsoft.com/office/drawing/2010/main" Requires="a14">
+      <mc:AlternateContent xmlns:mc="http://schemas.openxmlformats.org/markup-compatibility/2006" xmlns:a14="http://schemas.microsoft.com/office/drawing/2010/main">
+        <mc:Choice Requires="a14">
           <p:sp>
             <p:nvSpPr>
               <p:cNvPr id="23" name="流程图: 过程 22">
@@ -4482,19 +4488,7 @@
                             <a:rPr lang="en-US" altLang="zh-CN" sz="1000" b="0" i="1" smtClean="0">
                               <a:latin typeface="Cambria Math" panose="02040503050406030204" pitchFamily="18" charset="0"/>
                             </a:rPr>
-                            <m:t>(</m:t>
-                          </m:r>
-                          <m:r>
-                            <a:rPr lang="en-US" altLang="zh-CN" sz="1000" b="0" i="1" smtClean="0">
-                              <a:latin typeface="Cambria Math" panose="02040503050406030204" pitchFamily="18" charset="0"/>
-                            </a:rPr>
-                            <m:t>3</m:t>
-                          </m:r>
-                          <m:r>
-                            <a:rPr lang="en-US" altLang="zh-CN" sz="1000" b="0" i="1" smtClean="0">
-                              <a:latin typeface="Cambria Math" panose="02040503050406030204" pitchFamily="18" charset="0"/>
-                            </a:rPr>
-                            <m:t>)</m:t>
+                            <m:t>(3)</m:t>
                           </m:r>
                         </m:sup>
                       </m:sSubSup>
@@ -4506,7 +4500,7 @@
             </p:txBody>
           </p:sp>
         </mc:Choice>
-        <mc:Fallback>
+        <mc:Fallback xmlns="">
           <p:sp>
             <p:nvSpPr>
               <p:cNvPr id="23" name="流程图: 过程 22">
@@ -4551,8 +4545,8 @@
           </p:sp>
         </mc:Fallback>
       </mc:AlternateContent>
-      <mc:AlternateContent xmlns:mc="http://schemas.openxmlformats.org/markup-compatibility/2006">
-        <mc:Choice xmlns:a14="http://schemas.microsoft.com/office/drawing/2010/main" Requires="a14">
+      <mc:AlternateContent xmlns:mc="http://schemas.openxmlformats.org/markup-compatibility/2006" xmlns:a14="http://schemas.microsoft.com/office/drawing/2010/main">
+        <mc:Choice Requires="a14">
           <p:sp>
             <p:nvSpPr>
               <p:cNvPr id="25" name="流程图: 过程 24">
@@ -4629,19 +4623,7 @@
                           <a:rPr lang="en-US" altLang="zh-CN" sz="1000" b="0" i="1" smtClean="0">
                             <a:latin typeface="Cambria Math" panose="02040503050406030204" pitchFamily="18" charset="0"/>
                           </a:rPr>
-                          <m:t>(</m:t>
-                        </m:r>
-                        <m:r>
-                          <a:rPr lang="en-US" altLang="zh-CN" sz="1000" b="0" i="1" smtClean="0">
-                            <a:latin typeface="Cambria Math" panose="02040503050406030204" pitchFamily="18" charset="0"/>
-                          </a:rPr>
-                          <m:t>3</m:t>
-                        </m:r>
-                        <m:r>
-                          <a:rPr lang="en-US" altLang="zh-CN" sz="1000" b="0" i="1" smtClean="0">
-                            <a:latin typeface="Cambria Math" panose="02040503050406030204" pitchFamily="18" charset="0"/>
-                          </a:rPr>
-                          <m:t>)</m:t>
+                          <m:t>(3)</m:t>
                         </m:r>
                       </m:sup>
                     </m:sSubSup>
@@ -4692,19 +4674,7 @@
                           <a:rPr lang="en-US" altLang="zh-CN" sz="1000" b="0" i="1" smtClean="0">
                             <a:latin typeface="Cambria Math" panose="02040503050406030204" pitchFamily="18" charset="0"/>
                           </a:rPr>
-                          <m:t>(</m:t>
-                        </m:r>
-                        <m:r>
-                          <a:rPr lang="en-US" altLang="zh-CN" sz="1000" b="0" i="1" smtClean="0">
-                            <a:latin typeface="Cambria Math" panose="02040503050406030204" pitchFamily="18" charset="0"/>
-                          </a:rPr>
-                          <m:t>3</m:t>
-                        </m:r>
-                        <m:r>
-                          <a:rPr lang="en-US" altLang="zh-CN" sz="1000" b="0" i="1" smtClean="0">
-                            <a:latin typeface="Cambria Math" panose="02040503050406030204" pitchFamily="18" charset="0"/>
-                          </a:rPr>
-                          <m:t>)</m:t>
+                          <m:t>(3)</m:t>
                         </m:r>
                       </m:sup>
                     </m:sSubSup>
@@ -4719,7 +4689,7 @@
             </p:txBody>
           </p:sp>
         </mc:Choice>
-        <mc:Fallback>
+        <mc:Fallback xmlns="">
           <p:sp>
             <p:nvSpPr>
               <p:cNvPr id="25" name="流程图: 过程 24">
@@ -4764,8 +4734,8 @@
           </p:sp>
         </mc:Fallback>
       </mc:AlternateContent>
-      <mc:AlternateContent xmlns:mc="http://schemas.openxmlformats.org/markup-compatibility/2006">
-        <mc:Choice xmlns:a14="http://schemas.microsoft.com/office/drawing/2010/main" Requires="a14">
+      <mc:AlternateContent xmlns:mc="http://schemas.openxmlformats.org/markup-compatibility/2006" xmlns:a14="http://schemas.microsoft.com/office/drawing/2010/main">
+        <mc:Choice Requires="a14">
           <p:sp>
             <p:nvSpPr>
               <p:cNvPr id="27" name="流程图: 过程 26">
@@ -4846,19 +4816,7 @@
                             <a:rPr lang="en-US" altLang="zh-CN" sz="1000" b="0" i="1" smtClean="0">
                               <a:latin typeface="Cambria Math" panose="02040503050406030204" pitchFamily="18" charset="0"/>
                             </a:rPr>
-                            <m:t>(</m:t>
-                          </m:r>
-                          <m:r>
-                            <a:rPr lang="en-US" altLang="zh-CN" sz="1000" b="0" i="1" smtClean="0">
-                              <a:latin typeface="Cambria Math" panose="02040503050406030204" pitchFamily="18" charset="0"/>
-                            </a:rPr>
-                            <m:t>3</m:t>
-                          </m:r>
-                          <m:r>
-                            <a:rPr lang="en-US" altLang="zh-CN" sz="1000" b="0" i="1" smtClean="0">
-                              <a:latin typeface="Cambria Math" panose="02040503050406030204" pitchFamily="18" charset="0"/>
-                            </a:rPr>
-                            <m:t>)</m:t>
+                            <m:t>(3)</m:t>
                           </m:r>
                         </m:sup>
                       </m:sSubSup>
@@ -4870,7 +4828,7 @@
             </p:txBody>
           </p:sp>
         </mc:Choice>
-        <mc:Fallback>
+        <mc:Fallback xmlns="">
           <p:sp>
             <p:nvSpPr>
               <p:cNvPr id="27" name="流程图: 过程 26">
@@ -4915,8 +4873,8 @@
           </p:sp>
         </mc:Fallback>
       </mc:AlternateContent>
-      <mc:AlternateContent xmlns:mc="http://schemas.openxmlformats.org/markup-compatibility/2006">
-        <mc:Choice xmlns:a14="http://schemas.microsoft.com/office/drawing/2010/main" Requires="a14">
+      <mc:AlternateContent xmlns:mc="http://schemas.openxmlformats.org/markup-compatibility/2006" xmlns:a14="http://schemas.microsoft.com/office/drawing/2010/main">
+        <mc:Choice Requires="a14">
           <p:sp>
             <p:nvSpPr>
               <p:cNvPr id="29" name="流程图: 过程 28">
@@ -4993,19 +4951,7 @@
                           <a:rPr lang="en-US" altLang="zh-CN" sz="1000" b="0" i="1" smtClean="0">
                             <a:latin typeface="Cambria Math" panose="02040503050406030204" pitchFamily="18" charset="0"/>
                           </a:rPr>
-                          <m:t>(</m:t>
-                        </m:r>
-                        <m:r>
-                          <a:rPr lang="en-US" altLang="zh-CN" sz="1000" b="0" i="1" smtClean="0">
-                            <a:latin typeface="Cambria Math" panose="02040503050406030204" pitchFamily="18" charset="0"/>
-                          </a:rPr>
-                          <m:t>3</m:t>
-                        </m:r>
-                        <m:r>
-                          <a:rPr lang="en-US" altLang="zh-CN" sz="1000" b="0" i="1" smtClean="0">
-                            <a:latin typeface="Cambria Math" panose="02040503050406030204" pitchFamily="18" charset="0"/>
-                          </a:rPr>
-                          <m:t>)</m:t>
+                          <m:t>(3)</m:t>
                         </m:r>
                       </m:sup>
                     </m:sSubSup>
@@ -5056,19 +5002,7 @@
                           <a:rPr lang="en-US" altLang="zh-CN" sz="1000" b="0" i="1" smtClean="0">
                             <a:latin typeface="Cambria Math" panose="02040503050406030204" pitchFamily="18" charset="0"/>
                           </a:rPr>
-                          <m:t>(</m:t>
-                        </m:r>
-                        <m:r>
-                          <a:rPr lang="en-US" altLang="zh-CN" sz="1000" b="0" i="1" smtClean="0">
-                            <a:latin typeface="Cambria Math" panose="02040503050406030204" pitchFamily="18" charset="0"/>
-                          </a:rPr>
-                          <m:t>3</m:t>
-                        </m:r>
-                        <m:r>
-                          <a:rPr lang="en-US" altLang="zh-CN" sz="1000" b="0" i="1" smtClean="0">
-                            <a:latin typeface="Cambria Math" panose="02040503050406030204" pitchFamily="18" charset="0"/>
-                          </a:rPr>
-                          <m:t>)</m:t>
+                          <m:t>(3)</m:t>
                         </m:r>
                       </m:sup>
                     </m:sSubSup>
@@ -5083,7 +5017,7 @@
             </p:txBody>
           </p:sp>
         </mc:Choice>
-        <mc:Fallback>
+        <mc:Fallback xmlns="">
           <p:sp>
             <p:nvSpPr>
               <p:cNvPr id="29" name="流程图: 过程 28">
@@ -5128,8 +5062,8 @@
           </p:sp>
         </mc:Fallback>
       </mc:AlternateContent>
-      <mc:AlternateContent xmlns:mc="http://schemas.openxmlformats.org/markup-compatibility/2006">
-        <mc:Choice xmlns:a14="http://schemas.microsoft.com/office/drawing/2010/main" Requires="a14">
+      <mc:AlternateContent xmlns:mc="http://schemas.openxmlformats.org/markup-compatibility/2006" xmlns:a14="http://schemas.microsoft.com/office/drawing/2010/main">
+        <mc:Choice Requires="a14">
           <p:sp>
             <p:nvSpPr>
               <p:cNvPr id="39" name="椭圆 38">
@@ -5228,7 +5162,7 @@
             </p:txBody>
           </p:sp>
         </mc:Choice>
-        <mc:Fallback>
+        <mc:Fallback xmlns="">
           <p:sp>
             <p:nvSpPr>
               <p:cNvPr id="39" name="椭圆 38">
@@ -5780,8 +5714,8 @@
           </a:fontRef>
         </p:style>
       </p:cxnSp>
-      <mc:AlternateContent xmlns:mc="http://schemas.openxmlformats.org/markup-compatibility/2006">
-        <mc:Choice xmlns:a14="http://schemas.microsoft.com/office/drawing/2010/main" Requires="a14">
+      <mc:AlternateContent xmlns:mc="http://schemas.openxmlformats.org/markup-compatibility/2006" xmlns:a14="http://schemas.microsoft.com/office/drawing/2010/main">
+        <mc:Choice Requires="a14">
           <p:sp>
             <p:nvSpPr>
               <p:cNvPr id="67" name="椭圆 66">
@@ -5866,7 +5800,7 @@
             </p:txBody>
           </p:sp>
         </mc:Choice>
-        <mc:Fallback>
+        <mc:Fallback xmlns="">
           <p:sp>
             <p:nvSpPr>
               <p:cNvPr id="67" name="椭圆 66">
@@ -5911,8 +5845,8 @@
           </p:sp>
         </mc:Fallback>
       </mc:AlternateContent>
-      <mc:AlternateContent xmlns:mc="http://schemas.openxmlformats.org/markup-compatibility/2006">
-        <mc:Choice xmlns:a14="http://schemas.microsoft.com/office/drawing/2010/main" Requires="a14">
+      <mc:AlternateContent xmlns:mc="http://schemas.openxmlformats.org/markup-compatibility/2006" xmlns:a14="http://schemas.microsoft.com/office/drawing/2010/main">
+        <mc:Choice Requires="a14">
           <p:sp>
             <p:nvSpPr>
               <p:cNvPr id="69" name="椭圆 68">
@@ -5997,7 +5931,7 @@
             </p:txBody>
           </p:sp>
         </mc:Choice>
-        <mc:Fallback>
+        <mc:Fallback xmlns="">
           <p:sp>
             <p:nvSpPr>
               <p:cNvPr id="69" name="椭圆 68">
@@ -6128,8 +6062,8 @@
           </a:fontRef>
         </p:style>
       </p:cxnSp>
-      <mc:AlternateContent xmlns:mc="http://schemas.openxmlformats.org/markup-compatibility/2006">
-        <mc:Choice xmlns:a14="http://schemas.microsoft.com/office/drawing/2010/main" Requires="a14">
+      <mc:AlternateContent xmlns:mc="http://schemas.openxmlformats.org/markup-compatibility/2006" xmlns:a14="http://schemas.microsoft.com/office/drawing/2010/main">
+        <mc:Choice Requires="a14">
           <p:sp>
             <p:nvSpPr>
               <p:cNvPr id="84" name="椭圆 83">
@@ -6214,7 +6148,7 @@
             </p:txBody>
           </p:sp>
         </mc:Choice>
-        <mc:Fallback>
+        <mc:Fallback xmlns="">
           <p:sp>
             <p:nvSpPr>
               <p:cNvPr id="84" name="椭圆 83">
@@ -6301,8 +6235,8 @@
           </a:fontRef>
         </p:style>
       </p:cxnSp>
-      <mc:AlternateContent xmlns:mc="http://schemas.openxmlformats.org/markup-compatibility/2006">
-        <mc:Choice xmlns:a14="http://schemas.microsoft.com/office/drawing/2010/main" Requires="a14">
+      <mc:AlternateContent xmlns:mc="http://schemas.openxmlformats.org/markup-compatibility/2006" xmlns:a14="http://schemas.microsoft.com/office/drawing/2010/main">
+        <mc:Choice Requires="a14">
           <p:sp>
             <p:nvSpPr>
               <p:cNvPr id="88" name="椭圆 87">
@@ -6387,7 +6321,7 @@
             </p:txBody>
           </p:sp>
         </mc:Choice>
-        <mc:Fallback>
+        <mc:Fallback xmlns="">
           <p:sp>
             <p:nvSpPr>
               <p:cNvPr id="88" name="椭圆 87">
@@ -6842,6 +6776,1029 @@
     <p:extLst>
       <p:ext uri="{BB962C8B-B14F-4D97-AF65-F5344CB8AC3E}">
         <p14:creationId xmlns:p14="http://schemas.microsoft.com/office/powerpoint/2010/main" val="1282286218"/>
+      </p:ext>
+    </p:extLst>
+  </p:cSld>
+  <p:clrMapOvr>
+    <a:masterClrMapping/>
+  </p:clrMapOvr>
+</p:sld>
+</file>
+
+<file path=ppt/slides/slide2.xml><?xml version="1.0" encoding="utf-8"?>
+<p:sld xmlns:a="http://schemas.openxmlformats.org/drawingml/2006/main" xmlns:r="http://schemas.openxmlformats.org/officeDocument/2006/relationships" xmlns:p="http://schemas.openxmlformats.org/presentationml/2006/main">
+  <p:cSld>
+    <p:spTree>
+      <p:nvGrpSpPr>
+        <p:cNvPr id="1" name=""/>
+        <p:cNvGrpSpPr/>
+        <p:nvPr/>
+      </p:nvGrpSpPr>
+      <p:grpSpPr>
+        <a:xfrm>
+          <a:off x="0" y="0"/>
+          <a:ext cx="0" cy="0"/>
+          <a:chOff x="0" y="0"/>
+          <a:chExt cx="0" cy="0"/>
+        </a:xfrm>
+      </p:grpSpPr>
+      <mc:AlternateContent xmlns:mc="http://schemas.openxmlformats.org/markup-compatibility/2006">
+        <mc:Choice xmlns:a14="http://schemas.microsoft.com/office/drawing/2010/main" Requires="a14">
+          <p:sp>
+            <p:nvSpPr>
+              <p:cNvPr id="5" name="流程图: 过程 4">
+                <a:extLst>
+                  <a:ext uri="{FF2B5EF4-FFF2-40B4-BE49-F238E27FC236}">
+                    <a16:creationId xmlns:a16="http://schemas.microsoft.com/office/drawing/2014/main" id="{A4C2CD5C-3DAD-4F64-AE1E-870AB770B2FC}"/>
+                  </a:ext>
+                </a:extLst>
+              </p:cNvPr>
+              <p:cNvSpPr/>
+              <p:nvPr/>
+            </p:nvSpPr>
+            <p:spPr>
+              <a:xfrm>
+                <a:off x="5291896" y="3089739"/>
+                <a:ext cx="1085851" cy="888023"/>
+              </a:xfrm>
+              <a:prstGeom prst="flowChartProcess">
+                <a:avLst/>
+              </a:prstGeom>
+              <a:solidFill>
+                <a:srgbClr val="00B0F0"/>
+              </a:solidFill>
+            </p:spPr>
+            <p:style>
+              <a:lnRef idx="2">
+                <a:schemeClr val="accent1">
+                  <a:shade val="50000"/>
+                </a:schemeClr>
+              </a:lnRef>
+              <a:fillRef idx="1">
+                <a:schemeClr val="accent1"/>
+              </a:fillRef>
+              <a:effectRef idx="0">
+                <a:schemeClr val="accent1"/>
+              </a:effectRef>
+              <a:fontRef idx="minor">
+                <a:schemeClr val="lt1"/>
+              </a:fontRef>
+            </p:style>
+            <p:txBody>
+              <a:bodyPr rtlCol="0" anchor="ctr"/>
+              <a:lstStyle/>
+              <a:p>
+                <a:pPr algn="ctr"/>
+                <a14:m>
+                  <m:oMath xmlns:m="http://schemas.openxmlformats.org/officeDocument/2006/math">
+                    <m:sSubSup>
+                      <m:sSubSupPr>
+                        <m:ctrlPr>
+                          <a:rPr lang="en-US" altLang="zh-CN" sz="1000" i="1" smtClean="0">
+                            <a:latin typeface="Cambria Math" panose="02040503050406030204" pitchFamily="18" charset="0"/>
+                          </a:rPr>
+                        </m:ctrlPr>
+                      </m:sSubSupPr>
+                      <m:e>
+                        <m:r>
+                          <a:rPr lang="en-US" altLang="zh-CN" sz="1000" b="0" i="1" smtClean="0">
+                            <a:latin typeface="Cambria Math" panose="02040503050406030204" pitchFamily="18" charset="0"/>
+                          </a:rPr>
+                          <m:t>𝑎</m:t>
+                        </m:r>
+                      </m:e>
+                      <m:sub>
+                        <m:r>
+                          <a:rPr lang="en-US" altLang="zh-CN" sz="1000" b="0" i="1" smtClean="0">
+                            <a:latin typeface="Cambria Math" panose="02040503050406030204" pitchFamily="18" charset="0"/>
+                          </a:rPr>
+                          <m:t>1</m:t>
+                        </m:r>
+                      </m:sub>
+                      <m:sup>
+                        <m:r>
+                          <a:rPr lang="en-US" altLang="zh-CN" sz="1000" b="0" i="1" smtClean="0">
+                            <a:latin typeface="Cambria Math" panose="02040503050406030204" pitchFamily="18" charset="0"/>
+                          </a:rPr>
+                          <m:t>(2)</m:t>
+                        </m:r>
+                      </m:sup>
+                    </m:sSubSup>
+                    <m:r>
+                      <a:rPr lang="en-US" altLang="zh-CN" sz="1000" b="0" i="1" smtClean="0">
+                        <a:latin typeface="Cambria Math" panose="02040503050406030204" pitchFamily="18" charset="0"/>
+                      </a:rPr>
+                      <m:t>=</m:t>
+                    </m:r>
+                    <m:r>
+                      <a:rPr lang="en-US" altLang="zh-CN" sz="1000" b="0" i="1" smtClean="0">
+                        <a:latin typeface="Cambria Math" panose="02040503050406030204" pitchFamily="18" charset="0"/>
+                      </a:rPr>
+                      <m:t>𝑔</m:t>
+                    </m:r>
+                    <m:r>
+                      <a:rPr lang="en-US" altLang="zh-CN" sz="1000" b="0" i="1" smtClean="0">
+                        <a:latin typeface="Cambria Math" panose="02040503050406030204" pitchFamily="18" charset="0"/>
+                      </a:rPr>
+                      <m:t>(</m:t>
+                    </m:r>
+                    <m:sSubSup>
+                      <m:sSubSupPr>
+                        <m:ctrlPr>
+                          <a:rPr lang="en-US" altLang="zh-CN" sz="1000" i="1" smtClean="0">
+                            <a:latin typeface="Cambria Math" panose="02040503050406030204" pitchFamily="18" charset="0"/>
+                          </a:rPr>
+                        </m:ctrlPr>
+                      </m:sSubSupPr>
+                      <m:e>
+                        <m:r>
+                          <a:rPr lang="en-US" altLang="zh-CN" sz="1000" b="0" i="1" smtClean="0">
+                            <a:latin typeface="Cambria Math" panose="02040503050406030204" pitchFamily="18" charset="0"/>
+                          </a:rPr>
+                          <m:t>𝑧</m:t>
+                        </m:r>
+                      </m:e>
+                      <m:sub>
+                        <m:r>
+                          <a:rPr lang="en-US" altLang="zh-CN" sz="1000" b="0" i="1" smtClean="0">
+                            <a:latin typeface="Cambria Math" panose="02040503050406030204" pitchFamily="18" charset="0"/>
+                          </a:rPr>
+                          <m:t>1</m:t>
+                        </m:r>
+                      </m:sub>
+                      <m:sup>
+                        <m:r>
+                          <a:rPr lang="en-US" altLang="zh-CN" sz="1000" b="0" i="1" smtClean="0">
+                            <a:latin typeface="Cambria Math" panose="02040503050406030204" pitchFamily="18" charset="0"/>
+                          </a:rPr>
+                          <m:t>(2)</m:t>
+                        </m:r>
+                      </m:sup>
+                    </m:sSubSup>
+                  </m:oMath>
+                </a14:m>
+                <a:r>
+                  <a:rPr lang="en-US" altLang="zh-CN" sz="1000" dirty="0"/>
+                  <a:t>)</a:t>
+                </a:r>
+                <a:endParaRPr lang="zh-CN" altLang="en-US" sz="1000" dirty="0"/>
+              </a:p>
+            </p:txBody>
+          </p:sp>
+        </mc:Choice>
+        <mc:Fallback>
+          <p:sp>
+            <p:nvSpPr>
+              <p:cNvPr id="5" name="流程图: 过程 4">
+                <a:extLst>
+                  <a:ext uri="{FF2B5EF4-FFF2-40B4-BE49-F238E27FC236}">
+                    <a16:creationId xmlns:a16="http://schemas.microsoft.com/office/drawing/2014/main" id="{A4C2CD5C-3DAD-4F64-AE1E-870AB770B2FC}"/>
+                  </a:ext>
+                </a:extLst>
+              </p:cNvPr>
+              <p:cNvSpPr>
+                <a:spLocks noRot="1" noChangeAspect="1" noMove="1" noResize="1" noEditPoints="1" noAdjustHandles="1" noChangeArrowheads="1" noChangeShapeType="1" noTextEdit="1"/>
+              </p:cNvSpPr>
+              <p:nvPr/>
+            </p:nvSpPr>
+            <p:spPr>
+              <a:xfrm>
+                <a:off x="5291896" y="3089739"/>
+                <a:ext cx="1085851" cy="888023"/>
+              </a:xfrm>
+              <a:prstGeom prst="flowChartProcess">
+                <a:avLst/>
+              </a:prstGeom>
+              <a:blipFill>
+                <a:blip r:embed="rId2"/>
+                <a:stretch>
+                  <a:fillRect/>
+                </a:stretch>
+              </a:blipFill>
+            </p:spPr>
+            <p:txBody>
+              <a:bodyPr/>
+              <a:lstStyle/>
+              <a:p>
+                <a:r>
+                  <a:rPr lang="zh-CN" altLang="en-US">
+                    <a:noFill/>
+                  </a:rPr>
+                  <a:t> </a:t>
+                </a:r>
+              </a:p>
+            </p:txBody>
+          </p:sp>
+        </mc:Fallback>
+      </mc:AlternateContent>
+      <mc:AlternateContent xmlns:mc="http://schemas.openxmlformats.org/markup-compatibility/2006">
+        <mc:Choice xmlns:a14="http://schemas.microsoft.com/office/drawing/2010/main" Requires="a14">
+          <p:sp>
+            <p:nvSpPr>
+              <p:cNvPr id="7" name="流程图: 过程 6">
+                <a:extLst>
+                  <a:ext uri="{FF2B5EF4-FFF2-40B4-BE49-F238E27FC236}">
+                    <a16:creationId xmlns:a16="http://schemas.microsoft.com/office/drawing/2014/main" id="{E62B043B-A6CB-41F5-809C-7AFFC646FBA6}"/>
+                  </a:ext>
+                </a:extLst>
+              </p:cNvPr>
+              <p:cNvSpPr/>
+              <p:nvPr/>
+            </p:nvSpPr>
+            <p:spPr>
+              <a:xfrm>
+                <a:off x="7038729" y="3089740"/>
+                <a:ext cx="1085851" cy="888023"/>
+              </a:xfrm>
+              <a:prstGeom prst="flowChartProcess">
+                <a:avLst/>
+              </a:prstGeom>
+              <a:solidFill>
+                <a:schemeClr val="accent2"/>
+              </a:solidFill>
+            </p:spPr>
+            <p:style>
+              <a:lnRef idx="2">
+                <a:schemeClr val="accent1">
+                  <a:shade val="50000"/>
+                </a:schemeClr>
+              </a:lnRef>
+              <a:fillRef idx="1">
+                <a:schemeClr val="accent1"/>
+              </a:fillRef>
+              <a:effectRef idx="0">
+                <a:schemeClr val="accent1"/>
+              </a:effectRef>
+              <a:fontRef idx="minor">
+                <a:schemeClr val="lt1"/>
+              </a:fontRef>
+            </p:style>
+            <p:txBody>
+              <a:bodyPr rtlCol="0" anchor="ctr"/>
+              <a:lstStyle/>
+              <a:p>
+                <a:pPr algn="ctr"/>
+                <a14:m>
+                  <m:oMathPara xmlns:m="http://schemas.openxmlformats.org/officeDocument/2006/math">
+                    <m:oMathParaPr>
+                      <m:jc m:val="centerGroup"/>
+                    </m:oMathParaPr>
+                    <m:oMath xmlns:m="http://schemas.openxmlformats.org/officeDocument/2006/math">
+                      <m:sSubSup>
+                        <m:sSubSupPr>
+                          <m:ctrlPr>
+                            <a:rPr lang="en-US" altLang="zh-CN" sz="1000" i="1" smtClean="0">
+                              <a:latin typeface="Cambria Math" panose="02040503050406030204" pitchFamily="18" charset="0"/>
+                            </a:rPr>
+                          </m:ctrlPr>
+                        </m:sSubSupPr>
+                        <m:e>
+                          <m:r>
+                            <a:rPr lang="en-US" altLang="zh-CN" sz="1000" b="0" i="1" smtClean="0">
+                              <a:latin typeface="Cambria Math" panose="02040503050406030204" pitchFamily="18" charset="0"/>
+                            </a:rPr>
+                            <m:t>𝑧</m:t>
+                          </m:r>
+                        </m:e>
+                        <m:sub>
+                          <m:r>
+                            <a:rPr lang="en-US" altLang="zh-CN" sz="1000" b="0" i="1" smtClean="0">
+                              <a:latin typeface="Cambria Math" panose="02040503050406030204" pitchFamily="18" charset="0"/>
+                            </a:rPr>
+                            <m:t>1</m:t>
+                          </m:r>
+                        </m:sub>
+                        <m:sup>
+                          <m:r>
+                            <a:rPr lang="en-US" altLang="zh-CN" sz="1000" b="0" i="1" smtClean="0">
+                              <a:latin typeface="Cambria Math" panose="02040503050406030204" pitchFamily="18" charset="0"/>
+                            </a:rPr>
+                            <m:t>(3)</m:t>
+                          </m:r>
+                        </m:sup>
+                      </m:sSubSup>
+                    </m:oMath>
+                  </m:oMathPara>
+                </a14:m>
+                <a:endParaRPr lang="zh-CN" altLang="en-US" sz="1000" dirty="0"/>
+              </a:p>
+            </p:txBody>
+          </p:sp>
+        </mc:Choice>
+        <mc:Fallback>
+          <p:sp>
+            <p:nvSpPr>
+              <p:cNvPr id="7" name="流程图: 过程 6">
+                <a:extLst>
+                  <a:ext uri="{FF2B5EF4-FFF2-40B4-BE49-F238E27FC236}">
+                    <a16:creationId xmlns:a16="http://schemas.microsoft.com/office/drawing/2014/main" id="{E62B043B-A6CB-41F5-809C-7AFFC646FBA6}"/>
+                  </a:ext>
+                </a:extLst>
+              </p:cNvPr>
+              <p:cNvSpPr>
+                <a:spLocks noRot="1" noChangeAspect="1" noMove="1" noResize="1" noEditPoints="1" noAdjustHandles="1" noChangeArrowheads="1" noChangeShapeType="1" noTextEdit="1"/>
+              </p:cNvSpPr>
+              <p:nvPr/>
+            </p:nvSpPr>
+            <p:spPr>
+              <a:xfrm>
+                <a:off x="7038729" y="3089740"/>
+                <a:ext cx="1085851" cy="888023"/>
+              </a:xfrm>
+              <a:prstGeom prst="flowChartProcess">
+                <a:avLst/>
+              </a:prstGeom>
+              <a:blipFill>
+                <a:blip r:embed="rId3"/>
+                <a:stretch>
+                  <a:fillRect/>
+                </a:stretch>
+              </a:blipFill>
+            </p:spPr>
+            <p:txBody>
+              <a:bodyPr/>
+              <a:lstStyle/>
+              <a:p>
+                <a:r>
+                  <a:rPr lang="zh-CN" altLang="en-US">
+                    <a:noFill/>
+                  </a:rPr>
+                  <a:t> </a:t>
+                </a:r>
+              </a:p>
+            </p:txBody>
+          </p:sp>
+        </mc:Fallback>
+      </mc:AlternateContent>
+      <mc:AlternateContent xmlns:mc="http://schemas.openxmlformats.org/markup-compatibility/2006">
+        <mc:Choice xmlns:a14="http://schemas.microsoft.com/office/drawing/2010/main" Requires="a14">
+          <p:sp>
+            <p:nvSpPr>
+              <p:cNvPr id="9" name="流程图: 过程 8">
+                <a:extLst>
+                  <a:ext uri="{FF2B5EF4-FFF2-40B4-BE49-F238E27FC236}">
+                    <a16:creationId xmlns:a16="http://schemas.microsoft.com/office/drawing/2014/main" id="{DFDB2C1C-0A97-4383-8353-2BFEA61374CE}"/>
+                  </a:ext>
+                </a:extLst>
+              </p:cNvPr>
+              <p:cNvSpPr/>
+              <p:nvPr/>
+            </p:nvSpPr>
+            <p:spPr>
+              <a:xfrm>
+                <a:off x="8124580" y="3089739"/>
+                <a:ext cx="1085851" cy="888023"/>
+              </a:xfrm>
+              <a:prstGeom prst="flowChartProcess">
+                <a:avLst/>
+              </a:prstGeom>
+              <a:solidFill>
+                <a:srgbClr val="00B0F0"/>
+              </a:solidFill>
+            </p:spPr>
+            <p:style>
+              <a:lnRef idx="2">
+                <a:schemeClr val="accent1">
+                  <a:shade val="50000"/>
+                </a:schemeClr>
+              </a:lnRef>
+              <a:fillRef idx="1">
+                <a:schemeClr val="accent1"/>
+              </a:fillRef>
+              <a:effectRef idx="0">
+                <a:schemeClr val="accent1"/>
+              </a:effectRef>
+              <a:fontRef idx="minor">
+                <a:schemeClr val="lt1"/>
+              </a:fontRef>
+            </p:style>
+            <p:txBody>
+              <a:bodyPr rtlCol="0" anchor="ctr"/>
+              <a:lstStyle/>
+              <a:p>
+                <a:pPr algn="ctr"/>
+                <a14:m>
+                  <m:oMath xmlns:m="http://schemas.openxmlformats.org/officeDocument/2006/math">
+                    <m:sSubSup>
+                      <m:sSubSupPr>
+                        <m:ctrlPr>
+                          <a:rPr lang="en-US" altLang="zh-CN" sz="1000" i="1" smtClean="0">
+                            <a:latin typeface="Cambria Math" panose="02040503050406030204" pitchFamily="18" charset="0"/>
+                          </a:rPr>
+                        </m:ctrlPr>
+                      </m:sSubSupPr>
+                      <m:e>
+                        <m:r>
+                          <a:rPr lang="en-US" altLang="zh-CN" sz="1000" b="0" i="1" smtClean="0">
+                            <a:latin typeface="Cambria Math" panose="02040503050406030204" pitchFamily="18" charset="0"/>
+                          </a:rPr>
+                          <m:t>𝑎</m:t>
+                        </m:r>
+                      </m:e>
+                      <m:sub>
+                        <m:r>
+                          <a:rPr lang="en-US" altLang="zh-CN" sz="1000" b="0" i="1" smtClean="0">
+                            <a:latin typeface="Cambria Math" panose="02040503050406030204" pitchFamily="18" charset="0"/>
+                          </a:rPr>
+                          <m:t>1</m:t>
+                        </m:r>
+                      </m:sub>
+                      <m:sup>
+                        <m:r>
+                          <a:rPr lang="en-US" altLang="zh-CN" sz="1000" b="0" i="1" smtClean="0">
+                            <a:latin typeface="Cambria Math" panose="02040503050406030204" pitchFamily="18" charset="0"/>
+                          </a:rPr>
+                          <m:t>(3)</m:t>
+                        </m:r>
+                      </m:sup>
+                    </m:sSubSup>
+                    <m:r>
+                      <a:rPr lang="en-US" altLang="zh-CN" sz="1000" b="0" i="1" smtClean="0">
+                        <a:latin typeface="Cambria Math" panose="02040503050406030204" pitchFamily="18" charset="0"/>
+                      </a:rPr>
+                      <m:t>=</m:t>
+                    </m:r>
+                    <m:r>
+                      <a:rPr lang="en-US" altLang="zh-CN" sz="1000" b="0" i="1" smtClean="0">
+                        <a:latin typeface="Cambria Math" panose="02040503050406030204" pitchFamily="18" charset="0"/>
+                      </a:rPr>
+                      <m:t>𝑔</m:t>
+                    </m:r>
+                    <m:r>
+                      <a:rPr lang="en-US" altLang="zh-CN" sz="1000" b="0" i="1" smtClean="0">
+                        <a:latin typeface="Cambria Math" panose="02040503050406030204" pitchFamily="18" charset="0"/>
+                      </a:rPr>
+                      <m:t>(</m:t>
+                    </m:r>
+                    <m:sSubSup>
+                      <m:sSubSupPr>
+                        <m:ctrlPr>
+                          <a:rPr lang="en-US" altLang="zh-CN" sz="1000" i="1" smtClean="0">
+                            <a:latin typeface="Cambria Math" panose="02040503050406030204" pitchFamily="18" charset="0"/>
+                          </a:rPr>
+                        </m:ctrlPr>
+                      </m:sSubSupPr>
+                      <m:e>
+                        <m:r>
+                          <a:rPr lang="en-US" altLang="zh-CN" sz="1000" b="0" i="1" smtClean="0">
+                            <a:latin typeface="Cambria Math" panose="02040503050406030204" pitchFamily="18" charset="0"/>
+                          </a:rPr>
+                          <m:t>𝑧</m:t>
+                        </m:r>
+                      </m:e>
+                      <m:sub>
+                        <m:r>
+                          <a:rPr lang="en-US" altLang="zh-CN" sz="1000" b="0" i="1" smtClean="0">
+                            <a:latin typeface="Cambria Math" panose="02040503050406030204" pitchFamily="18" charset="0"/>
+                          </a:rPr>
+                          <m:t>1</m:t>
+                        </m:r>
+                      </m:sub>
+                      <m:sup>
+                        <m:r>
+                          <a:rPr lang="en-US" altLang="zh-CN" sz="1000" b="0" i="1" smtClean="0">
+                            <a:latin typeface="Cambria Math" panose="02040503050406030204" pitchFamily="18" charset="0"/>
+                          </a:rPr>
+                          <m:t>(3)</m:t>
+                        </m:r>
+                      </m:sup>
+                    </m:sSubSup>
+                  </m:oMath>
+                </a14:m>
+                <a:r>
+                  <a:rPr lang="en-US" altLang="zh-CN" sz="1000" dirty="0"/>
+                  <a:t>)</a:t>
+                </a:r>
+                <a:endParaRPr lang="zh-CN" altLang="en-US" sz="1000" dirty="0"/>
+              </a:p>
+            </p:txBody>
+          </p:sp>
+        </mc:Choice>
+        <mc:Fallback>
+          <p:sp>
+            <p:nvSpPr>
+              <p:cNvPr id="9" name="流程图: 过程 8">
+                <a:extLst>
+                  <a:ext uri="{FF2B5EF4-FFF2-40B4-BE49-F238E27FC236}">
+                    <a16:creationId xmlns:a16="http://schemas.microsoft.com/office/drawing/2014/main" id="{DFDB2C1C-0A97-4383-8353-2BFEA61374CE}"/>
+                  </a:ext>
+                </a:extLst>
+              </p:cNvPr>
+              <p:cNvSpPr>
+                <a:spLocks noRot="1" noChangeAspect="1" noMove="1" noResize="1" noEditPoints="1" noAdjustHandles="1" noChangeArrowheads="1" noChangeShapeType="1" noTextEdit="1"/>
+              </p:cNvSpPr>
+              <p:nvPr/>
+            </p:nvSpPr>
+            <p:spPr>
+              <a:xfrm>
+                <a:off x="8124580" y="3089739"/>
+                <a:ext cx="1085851" cy="888023"/>
+              </a:xfrm>
+              <a:prstGeom prst="flowChartProcess">
+                <a:avLst/>
+              </a:prstGeom>
+              <a:blipFill>
+                <a:blip r:embed="rId4"/>
+                <a:stretch>
+                  <a:fillRect/>
+                </a:stretch>
+              </a:blipFill>
+            </p:spPr>
+            <p:txBody>
+              <a:bodyPr/>
+              <a:lstStyle/>
+              <a:p>
+                <a:r>
+                  <a:rPr lang="zh-CN" altLang="en-US">
+                    <a:noFill/>
+                  </a:rPr>
+                  <a:t> </a:t>
+                </a:r>
+              </a:p>
+            </p:txBody>
+          </p:sp>
+        </mc:Fallback>
+      </mc:AlternateContent>
+      <mc:AlternateContent xmlns:mc="http://schemas.openxmlformats.org/markup-compatibility/2006">
+        <mc:Choice xmlns:a14="http://schemas.microsoft.com/office/drawing/2010/main" Requires="a14">
+          <p:sp>
+            <p:nvSpPr>
+              <p:cNvPr id="11" name="椭圆 10">
+                <a:extLst>
+                  <a:ext uri="{FF2B5EF4-FFF2-40B4-BE49-F238E27FC236}">
+                    <a16:creationId xmlns:a16="http://schemas.microsoft.com/office/drawing/2014/main" id="{3A5AFC16-91AC-4CAF-8F76-D61E5FB0BE61}"/>
+                  </a:ext>
+                </a:extLst>
+              </p:cNvPr>
+              <p:cNvSpPr/>
+              <p:nvPr/>
+            </p:nvSpPr>
+            <p:spPr>
+              <a:xfrm>
+                <a:off x="9852270" y="3089738"/>
+                <a:ext cx="888023" cy="888023"/>
+              </a:xfrm>
+              <a:prstGeom prst="ellipse">
+                <a:avLst/>
+              </a:prstGeom>
+              <a:solidFill>
+                <a:srgbClr val="00B050"/>
+              </a:solidFill>
+            </p:spPr>
+            <p:style>
+              <a:lnRef idx="2">
+                <a:schemeClr val="accent1">
+                  <a:shade val="50000"/>
+                </a:schemeClr>
+              </a:lnRef>
+              <a:fillRef idx="1">
+                <a:schemeClr val="accent1"/>
+              </a:fillRef>
+              <a:effectRef idx="0">
+                <a:schemeClr val="accent1"/>
+              </a:effectRef>
+              <a:fontRef idx="minor">
+                <a:schemeClr val="lt1"/>
+              </a:fontRef>
+            </p:style>
+            <p:txBody>
+              <a:bodyPr rtlCol="0" anchor="ctr"/>
+              <a:lstStyle/>
+              <a:p>
+                <a:pPr algn="ctr"/>
+                <a14:m>
+                  <m:oMathPara xmlns:m="http://schemas.openxmlformats.org/officeDocument/2006/math">
+                    <m:oMathParaPr>
+                      <m:jc m:val="centerGroup"/>
+                    </m:oMathParaPr>
+                    <m:oMath xmlns:m="http://schemas.openxmlformats.org/officeDocument/2006/math">
+                      <m:sSub>
+                        <m:sSubPr>
+                          <m:ctrlPr>
+                            <a:rPr lang="en-US" altLang="zh-CN" sz="1000" i="1" smtClean="0">
+                              <a:latin typeface="Cambria Math" panose="02040503050406030204" pitchFamily="18" charset="0"/>
+                            </a:rPr>
+                          </m:ctrlPr>
+                        </m:sSubPr>
+                        <m:e>
+                          <m:r>
+                            <a:rPr lang="en-US" altLang="zh-CN" sz="1000" b="0" i="1" smtClean="0">
+                              <a:latin typeface="Cambria Math" panose="02040503050406030204" pitchFamily="18" charset="0"/>
+                            </a:rPr>
+                            <m:t>𝑦</m:t>
+                          </m:r>
+                        </m:e>
+                        <m:sub>
+                          <m:r>
+                            <a:rPr lang="en-US" altLang="zh-CN" sz="1000" b="0" i="1" smtClean="0">
+                              <a:latin typeface="Cambria Math" panose="02040503050406030204" pitchFamily="18" charset="0"/>
+                            </a:rPr>
+                            <m:t>1</m:t>
+                          </m:r>
+                        </m:sub>
+                      </m:sSub>
+                    </m:oMath>
+                  </m:oMathPara>
+                </a14:m>
+                <a:endParaRPr lang="zh-CN" altLang="en-US" sz="1000" dirty="0"/>
+              </a:p>
+            </p:txBody>
+          </p:sp>
+        </mc:Choice>
+        <mc:Fallback>
+          <p:sp>
+            <p:nvSpPr>
+              <p:cNvPr id="11" name="椭圆 10">
+                <a:extLst>
+                  <a:ext uri="{FF2B5EF4-FFF2-40B4-BE49-F238E27FC236}">
+                    <a16:creationId xmlns:a16="http://schemas.microsoft.com/office/drawing/2014/main" id="{3A5AFC16-91AC-4CAF-8F76-D61E5FB0BE61}"/>
+                  </a:ext>
+                </a:extLst>
+              </p:cNvPr>
+              <p:cNvSpPr>
+                <a:spLocks noRot="1" noChangeAspect="1" noMove="1" noResize="1" noEditPoints="1" noAdjustHandles="1" noChangeArrowheads="1" noChangeShapeType="1" noTextEdit="1"/>
+              </p:cNvSpPr>
+              <p:nvPr/>
+            </p:nvSpPr>
+            <p:spPr>
+              <a:xfrm>
+                <a:off x="9852270" y="3089738"/>
+                <a:ext cx="888023" cy="888023"/>
+              </a:xfrm>
+              <a:prstGeom prst="ellipse">
+                <a:avLst/>
+              </a:prstGeom>
+              <a:blipFill>
+                <a:blip r:embed="rId5"/>
+                <a:stretch>
+                  <a:fillRect/>
+                </a:stretch>
+              </a:blipFill>
+            </p:spPr>
+            <p:txBody>
+              <a:bodyPr/>
+              <a:lstStyle/>
+              <a:p>
+                <a:r>
+                  <a:rPr lang="zh-CN" altLang="en-US">
+                    <a:noFill/>
+                  </a:rPr>
+                  <a:t> </a:t>
+                </a:r>
+              </a:p>
+            </p:txBody>
+          </p:sp>
+        </mc:Fallback>
+      </mc:AlternateContent>
+      <p:cxnSp>
+        <p:nvCxnSpPr>
+          <p:cNvPr id="13" name="直接箭头连接符 12">
+            <a:extLst>
+              <a:ext uri="{FF2B5EF4-FFF2-40B4-BE49-F238E27FC236}">
+                <a16:creationId xmlns:a16="http://schemas.microsoft.com/office/drawing/2014/main" id="{DC4149E0-16D4-4985-9AAF-4385C635CEA5}"/>
+              </a:ext>
+            </a:extLst>
+          </p:cNvPr>
+          <p:cNvCxnSpPr>
+            <a:stCxn id="5" idx="3"/>
+            <a:endCxn id="7" idx="1"/>
+          </p:cNvCxnSpPr>
+          <p:nvPr/>
+        </p:nvCxnSpPr>
+        <p:spPr>
+          <a:xfrm>
+            <a:off x="6377747" y="3533751"/>
+            <a:ext cx="660982" cy="1"/>
+          </a:xfrm>
+          <a:prstGeom prst="straightConnector1">
+            <a:avLst/>
+          </a:prstGeom>
+          <a:ln>
+            <a:tailEnd type="triangle"/>
+          </a:ln>
+        </p:spPr>
+        <p:style>
+          <a:lnRef idx="3">
+            <a:schemeClr val="accent1"/>
+          </a:lnRef>
+          <a:fillRef idx="0">
+            <a:schemeClr val="accent1"/>
+          </a:fillRef>
+          <a:effectRef idx="2">
+            <a:schemeClr val="accent1"/>
+          </a:effectRef>
+          <a:fontRef idx="minor">
+            <a:schemeClr val="tx1"/>
+          </a:fontRef>
+        </p:style>
+      </p:cxnSp>
+      <mc:AlternateContent xmlns:mc="http://schemas.openxmlformats.org/markup-compatibility/2006">
+        <mc:Choice xmlns:a14="http://schemas.microsoft.com/office/drawing/2010/main" Requires="a14">
+          <p:sp>
+            <p:nvSpPr>
+              <p:cNvPr id="14" name="文本框 13">
+                <a:extLst>
+                  <a:ext uri="{FF2B5EF4-FFF2-40B4-BE49-F238E27FC236}">
+                    <a16:creationId xmlns:a16="http://schemas.microsoft.com/office/drawing/2014/main" id="{8E1A9B40-2660-48F4-9462-8F8A628E3EB5}"/>
+                  </a:ext>
+                </a:extLst>
+              </p:cNvPr>
+              <p:cNvSpPr txBox="1"/>
+              <p:nvPr/>
+            </p:nvSpPr>
+            <p:spPr>
+              <a:xfrm>
+                <a:off x="6375029" y="3072789"/>
+                <a:ext cx="636648" cy="460960"/>
+              </a:xfrm>
+              <a:prstGeom prst="rect">
+                <a:avLst/>
+              </a:prstGeom>
+              <a:noFill/>
+            </p:spPr>
+            <p:txBody>
+              <a:bodyPr wrap="none" rtlCol="0">
+                <a:spAutoFit/>
+              </a:bodyPr>
+              <a:lstStyle/>
+              <a:p>
+                <a14:m>
+                  <m:oMathPara xmlns:m="http://schemas.openxmlformats.org/officeDocument/2006/math">
+                    <m:oMathParaPr>
+                      <m:jc m:val="centerGroup"/>
+                    </m:oMathParaPr>
+                    <m:oMath xmlns:m="http://schemas.openxmlformats.org/officeDocument/2006/math">
+                      <m:sSubSup>
+                        <m:sSubSupPr>
+                          <m:ctrlPr>
+                            <a:rPr lang="en-US" altLang="zh-CN" i="1" smtClean="0">
+                              <a:latin typeface="Cambria Math" panose="02040503050406030204" pitchFamily="18" charset="0"/>
+                            </a:rPr>
+                          </m:ctrlPr>
+                        </m:sSubSupPr>
+                        <m:e>
+                          <m:r>
+                            <a:rPr lang="zh-CN" altLang="en-US" i="1" smtClean="0">
+                              <a:latin typeface="Cambria Math" panose="02040503050406030204" pitchFamily="18" charset="0"/>
+                            </a:rPr>
+                            <m:t>𝜃</m:t>
+                          </m:r>
+                        </m:e>
+                        <m:sub>
+                          <m:r>
+                            <a:rPr lang="en-US" altLang="zh-CN" b="0" i="1" smtClean="0">
+                              <a:latin typeface="Cambria Math" panose="02040503050406030204" pitchFamily="18" charset="0"/>
+                            </a:rPr>
+                            <m:t>1,1</m:t>
+                          </m:r>
+                        </m:sub>
+                        <m:sup>
+                          <m:r>
+                            <a:rPr lang="en-US" altLang="zh-CN" b="0" i="1" smtClean="0">
+                              <a:latin typeface="Cambria Math" panose="02040503050406030204" pitchFamily="18" charset="0"/>
+                            </a:rPr>
+                            <m:t>(2)</m:t>
+                          </m:r>
+                        </m:sup>
+                      </m:sSubSup>
+                    </m:oMath>
+                  </m:oMathPara>
+                </a14:m>
+                <a:endParaRPr lang="zh-CN" altLang="en-US" dirty="0"/>
+              </a:p>
+            </p:txBody>
+          </p:sp>
+        </mc:Choice>
+        <mc:Fallback>
+          <p:sp>
+            <p:nvSpPr>
+              <p:cNvPr id="14" name="文本框 13">
+                <a:extLst>
+                  <a:ext uri="{FF2B5EF4-FFF2-40B4-BE49-F238E27FC236}">
+                    <a16:creationId xmlns:a16="http://schemas.microsoft.com/office/drawing/2014/main" id="{8E1A9B40-2660-48F4-9462-8F8A628E3EB5}"/>
+                  </a:ext>
+                </a:extLst>
+              </p:cNvPr>
+              <p:cNvSpPr txBox="1">
+                <a:spLocks noRot="1" noChangeAspect="1" noMove="1" noResize="1" noEditPoints="1" noAdjustHandles="1" noChangeArrowheads="1" noChangeShapeType="1" noTextEdit="1"/>
+              </p:cNvSpPr>
+              <p:nvPr/>
+            </p:nvSpPr>
+            <p:spPr>
+              <a:xfrm>
+                <a:off x="6375029" y="3072789"/>
+                <a:ext cx="636648" cy="460960"/>
+              </a:xfrm>
+              <a:prstGeom prst="rect">
+                <a:avLst/>
+              </a:prstGeom>
+              <a:blipFill>
+                <a:blip r:embed="rId6"/>
+                <a:stretch>
+                  <a:fillRect/>
+                </a:stretch>
+              </a:blipFill>
+            </p:spPr>
+            <p:txBody>
+              <a:bodyPr/>
+              <a:lstStyle/>
+              <a:p>
+                <a:r>
+                  <a:rPr lang="zh-CN" altLang="en-US">
+                    <a:noFill/>
+                  </a:rPr>
+                  <a:t> </a:t>
+                </a:r>
+              </a:p>
+            </p:txBody>
+          </p:sp>
+        </mc:Fallback>
+      </mc:AlternateContent>
+      <p:cxnSp>
+        <p:nvCxnSpPr>
+          <p:cNvPr id="16" name="直接箭头连接符 15">
+            <a:extLst>
+              <a:ext uri="{FF2B5EF4-FFF2-40B4-BE49-F238E27FC236}">
+                <a16:creationId xmlns:a16="http://schemas.microsoft.com/office/drawing/2014/main" id="{62ACA488-DCEC-46AD-B858-EF06F1A512DC}"/>
+              </a:ext>
+            </a:extLst>
+          </p:cNvPr>
+          <p:cNvCxnSpPr>
+            <a:stCxn id="9" idx="3"/>
+            <a:endCxn id="11" idx="2"/>
+          </p:cNvCxnSpPr>
+          <p:nvPr/>
+        </p:nvCxnSpPr>
+        <p:spPr>
+          <a:xfrm flipV="1">
+            <a:off x="9210431" y="3533750"/>
+            <a:ext cx="641839" cy="1"/>
+          </a:xfrm>
+          <a:prstGeom prst="straightConnector1">
+            <a:avLst/>
+          </a:prstGeom>
+          <a:ln>
+            <a:headEnd type="triangle"/>
+            <a:tailEnd type="triangle"/>
+          </a:ln>
+        </p:spPr>
+        <p:style>
+          <a:lnRef idx="3">
+            <a:schemeClr val="accent2"/>
+          </a:lnRef>
+          <a:fillRef idx="0">
+            <a:schemeClr val="accent2"/>
+          </a:fillRef>
+          <a:effectRef idx="2">
+            <a:schemeClr val="accent2"/>
+          </a:effectRef>
+          <a:fontRef idx="minor">
+            <a:schemeClr val="tx1"/>
+          </a:fontRef>
+        </p:style>
+      </p:cxnSp>
+      <p:cxnSp>
+        <p:nvCxnSpPr>
+          <p:cNvPr id="18" name="连接符: 曲线 17">
+            <a:extLst>
+              <a:ext uri="{FF2B5EF4-FFF2-40B4-BE49-F238E27FC236}">
+                <a16:creationId xmlns:a16="http://schemas.microsoft.com/office/drawing/2014/main" id="{9A959541-C3FC-404B-B431-58E9ADD8044C}"/>
+              </a:ext>
+            </a:extLst>
+          </p:cNvPr>
+          <p:cNvCxnSpPr>
+            <a:stCxn id="11" idx="0"/>
+            <a:endCxn id="9" idx="0"/>
+          </p:cNvCxnSpPr>
+          <p:nvPr/>
+        </p:nvCxnSpPr>
+        <p:spPr>
+          <a:xfrm rot="16200000" flipH="1" flipV="1">
+            <a:off x="9481893" y="2275350"/>
+            <a:ext cx="1" cy="1628776"/>
+          </a:xfrm>
+          <a:prstGeom prst="curvedConnector3">
+            <a:avLst>
+              <a:gd name="adj1" fmla="val -22860000000"/>
+            </a:avLst>
+          </a:prstGeom>
+          <a:ln w="57150">
+            <a:solidFill>
+              <a:srgbClr val="FF0000"/>
+            </a:solidFill>
+            <a:tailEnd type="triangle"/>
+          </a:ln>
+        </p:spPr>
+        <p:style>
+          <a:lnRef idx="1">
+            <a:schemeClr val="accent1"/>
+          </a:lnRef>
+          <a:fillRef idx="0">
+            <a:schemeClr val="accent1"/>
+          </a:fillRef>
+          <a:effectRef idx="0">
+            <a:schemeClr val="accent1"/>
+          </a:effectRef>
+          <a:fontRef idx="minor">
+            <a:schemeClr val="tx1"/>
+          </a:fontRef>
+        </p:style>
+      </p:cxnSp>
+      <p:cxnSp>
+        <p:nvCxnSpPr>
+          <p:cNvPr id="22" name="连接符: 曲线 21">
+            <a:extLst>
+              <a:ext uri="{FF2B5EF4-FFF2-40B4-BE49-F238E27FC236}">
+                <a16:creationId xmlns:a16="http://schemas.microsoft.com/office/drawing/2014/main" id="{150E21FF-3CC5-47BF-94DB-EA0E87C442DD}"/>
+              </a:ext>
+            </a:extLst>
+          </p:cNvPr>
+          <p:cNvCxnSpPr>
+            <a:stCxn id="9" idx="0"/>
+            <a:endCxn id="7" idx="0"/>
+          </p:cNvCxnSpPr>
+          <p:nvPr/>
+        </p:nvCxnSpPr>
+        <p:spPr>
+          <a:xfrm rot="16200000" flipH="1" flipV="1">
+            <a:off x="8124580" y="2546813"/>
+            <a:ext cx="1" cy="1085851"/>
+          </a:xfrm>
+          <a:prstGeom prst="curvedConnector3">
+            <a:avLst>
+              <a:gd name="adj1" fmla="val -22860000000"/>
+            </a:avLst>
+          </a:prstGeom>
+          <a:ln w="57150">
+            <a:solidFill>
+              <a:srgbClr val="7030A0"/>
+            </a:solidFill>
+            <a:tailEnd type="triangle"/>
+          </a:ln>
+        </p:spPr>
+        <p:style>
+          <a:lnRef idx="1">
+            <a:schemeClr val="accent1"/>
+          </a:lnRef>
+          <a:fillRef idx="0">
+            <a:schemeClr val="accent1"/>
+          </a:fillRef>
+          <a:effectRef idx="0">
+            <a:schemeClr val="accent1"/>
+          </a:effectRef>
+          <a:fontRef idx="minor">
+            <a:schemeClr val="tx1"/>
+          </a:fontRef>
+        </p:style>
+      </p:cxnSp>
+      <p:cxnSp>
+        <p:nvCxnSpPr>
+          <p:cNvPr id="31" name="连接符: 曲线 30">
+            <a:extLst>
+              <a:ext uri="{FF2B5EF4-FFF2-40B4-BE49-F238E27FC236}">
+                <a16:creationId xmlns:a16="http://schemas.microsoft.com/office/drawing/2014/main" id="{366AFF53-E03A-47D5-9327-E2FADFD1CD83}"/>
+              </a:ext>
+            </a:extLst>
+          </p:cNvPr>
+          <p:cNvCxnSpPr>
+            <a:stCxn id="7" idx="0"/>
+            <a:endCxn id="14" idx="0"/>
+          </p:cNvCxnSpPr>
+          <p:nvPr/>
+        </p:nvCxnSpPr>
+        <p:spPr>
+          <a:xfrm rot="16200000" flipV="1">
+            <a:off x="7129029" y="2637114"/>
+            <a:ext cx="16951" cy="888302"/>
+          </a:xfrm>
+          <a:prstGeom prst="curvedConnector3">
+            <a:avLst>
+              <a:gd name="adj1" fmla="val 1448593"/>
+            </a:avLst>
+          </a:prstGeom>
+          <a:ln w="57150">
+            <a:tailEnd type="triangle"/>
+          </a:ln>
+        </p:spPr>
+        <p:style>
+          <a:lnRef idx="3">
+            <a:schemeClr val="accent6"/>
+          </a:lnRef>
+          <a:fillRef idx="0">
+            <a:schemeClr val="accent6"/>
+          </a:fillRef>
+          <a:effectRef idx="2">
+            <a:schemeClr val="accent6"/>
+          </a:effectRef>
+          <a:fontRef idx="minor">
+            <a:schemeClr val="tx1"/>
+          </a:fontRef>
+        </p:style>
+      </p:cxnSp>
+    </p:spTree>
+    <p:extLst>
+      <p:ext uri="{BB962C8B-B14F-4D97-AF65-F5344CB8AC3E}">
+        <p14:creationId xmlns:p14="http://schemas.microsoft.com/office/powerpoint/2010/main" val="3938447998"/>
       </p:ext>
     </p:extLst>
   </p:cSld>
